--- a/Lab3.pptx
+++ b/Lab3.pptx
@@ -2266,7 +2266,7 @@
           <a:p>
             <a:fld id="{7F40343B-B5D9-49F4-8FC2-DA3E96BD571A}" type="datetimeFigureOut">
               <a:rPr lang="en-US" smtClean="0"/>
-              <a:t>8/9/2025</a:t>
+              <a:t>3/30/2024</a:t>
             </a:fld>
             <a:endParaRPr lang="en-US"/>
           </a:p>
@@ -12279,8 +12279,8 @@
             <a:chExt cx="290520" cy="1380240"/>
           </a:xfrm>
         </p:grpSpPr>
-        <mc:AlternateContent xmlns:mc="http://schemas.openxmlformats.org/markup-compatibility/2006" xmlns:p14="http://schemas.microsoft.com/office/powerpoint/2010/main">
-          <mc:Choice Requires="p14">
+        <mc:AlternateContent xmlns:mc="http://schemas.openxmlformats.org/markup-compatibility/2006">
+          <mc:Choice xmlns:p14="http://schemas.microsoft.com/office/powerpoint/2010/main" Requires="p14">
             <p:contentPart p14:bwMode="auto" r:id="rId3">
               <p14:nvContentPartPr>
                 <p14:cNvPr id="6" name="Ink 5">
@@ -12299,7 +12299,7 @@
               </p14:xfrm>
             </p:contentPart>
           </mc:Choice>
-          <mc:Fallback xmlns="">
+          <mc:Fallback>
             <p:pic>
               <p:nvPicPr>
                 <p:cNvPr id="6" name="Ink 5">
@@ -12330,8 +12330,8 @@
             </p:pic>
           </mc:Fallback>
         </mc:AlternateContent>
-        <mc:AlternateContent xmlns:mc="http://schemas.openxmlformats.org/markup-compatibility/2006" xmlns:p14="http://schemas.microsoft.com/office/powerpoint/2010/main">
-          <mc:Choice Requires="p14">
+        <mc:AlternateContent xmlns:mc="http://schemas.openxmlformats.org/markup-compatibility/2006">
+          <mc:Choice xmlns:p14="http://schemas.microsoft.com/office/powerpoint/2010/main" Requires="p14">
             <p:contentPart p14:bwMode="auto" r:id="rId5">
               <p14:nvContentPartPr>
                 <p14:cNvPr id="7" name="Ink 6">
@@ -12350,7 +12350,7 @@
               </p14:xfrm>
             </p:contentPart>
           </mc:Choice>
-          <mc:Fallback xmlns="">
+          <mc:Fallback>
             <p:pic>
               <p:nvPicPr>
                 <p:cNvPr id="7" name="Ink 6">
@@ -12402,8 +12402,8 @@
             <a:chExt cx="997560" cy="1573200"/>
           </a:xfrm>
         </p:grpSpPr>
-        <mc:AlternateContent xmlns:mc="http://schemas.openxmlformats.org/markup-compatibility/2006" xmlns:p14="http://schemas.microsoft.com/office/powerpoint/2010/main">
-          <mc:Choice Requires="p14">
+        <mc:AlternateContent xmlns:mc="http://schemas.openxmlformats.org/markup-compatibility/2006">
+          <mc:Choice xmlns:p14="http://schemas.microsoft.com/office/powerpoint/2010/main" Requires="p14">
             <p:contentPart p14:bwMode="auto" r:id="rId7">
               <p14:nvContentPartPr>
                 <p14:cNvPr id="9" name="Ink 8">
@@ -12422,7 +12422,7 @@
               </p14:xfrm>
             </p:contentPart>
           </mc:Choice>
-          <mc:Fallback xmlns="">
+          <mc:Fallback>
             <p:pic>
               <p:nvPicPr>
                 <p:cNvPr id="9" name="Ink 8">
@@ -12453,8 +12453,8 @@
             </p:pic>
           </mc:Fallback>
         </mc:AlternateContent>
-        <mc:AlternateContent xmlns:mc="http://schemas.openxmlformats.org/markup-compatibility/2006" xmlns:p14="http://schemas.microsoft.com/office/powerpoint/2010/main">
-          <mc:Choice Requires="p14">
+        <mc:AlternateContent xmlns:mc="http://schemas.openxmlformats.org/markup-compatibility/2006">
+          <mc:Choice xmlns:p14="http://schemas.microsoft.com/office/powerpoint/2010/main" Requires="p14">
             <p:contentPart p14:bwMode="auto" r:id="rId9">
               <p14:nvContentPartPr>
                 <p14:cNvPr id="10" name="Ink 9">
@@ -12473,7 +12473,7 @@
               </p14:xfrm>
             </p:contentPart>
           </mc:Choice>
-          <mc:Fallback xmlns="">
+          <mc:Fallback>
             <p:pic>
               <p:nvPicPr>
                 <p:cNvPr id="10" name="Ink 9">
@@ -12504,8 +12504,8 @@
             </p:pic>
           </mc:Fallback>
         </mc:AlternateContent>
-        <mc:AlternateContent xmlns:mc="http://schemas.openxmlformats.org/markup-compatibility/2006" xmlns:p14="http://schemas.microsoft.com/office/powerpoint/2010/main">
-          <mc:Choice Requires="p14">
+        <mc:AlternateContent xmlns:mc="http://schemas.openxmlformats.org/markup-compatibility/2006">
+          <mc:Choice xmlns:p14="http://schemas.microsoft.com/office/powerpoint/2010/main" Requires="p14">
             <p:contentPart p14:bwMode="auto" r:id="rId11">
               <p14:nvContentPartPr>
                 <p14:cNvPr id="11" name="Ink 10">
@@ -12524,7 +12524,7 @@
               </p14:xfrm>
             </p:contentPart>
           </mc:Choice>
-          <mc:Fallback xmlns="">
+          <mc:Fallback>
             <p:pic>
               <p:nvPicPr>
                 <p:cNvPr id="11" name="Ink 10">
@@ -12555,8 +12555,8 @@
             </p:pic>
           </mc:Fallback>
         </mc:AlternateContent>
-        <mc:AlternateContent xmlns:mc="http://schemas.openxmlformats.org/markup-compatibility/2006" xmlns:p14="http://schemas.microsoft.com/office/powerpoint/2010/main">
-          <mc:Choice Requires="p14">
+        <mc:AlternateContent xmlns:mc="http://schemas.openxmlformats.org/markup-compatibility/2006">
+          <mc:Choice xmlns:p14="http://schemas.microsoft.com/office/powerpoint/2010/main" Requires="p14">
             <p:contentPart p14:bwMode="auto" r:id="rId13">
               <p14:nvContentPartPr>
                 <p14:cNvPr id="12" name="Ink 11">
@@ -12575,7 +12575,7 @@
               </p14:xfrm>
             </p:contentPart>
           </mc:Choice>
-          <mc:Fallback xmlns="">
+          <mc:Fallback>
             <p:pic>
               <p:nvPicPr>
                 <p:cNvPr id="12" name="Ink 11">
@@ -12606,8 +12606,8 @@
             </p:pic>
           </mc:Fallback>
         </mc:AlternateContent>
-        <mc:AlternateContent xmlns:mc="http://schemas.openxmlformats.org/markup-compatibility/2006" xmlns:p14="http://schemas.microsoft.com/office/powerpoint/2010/main">
-          <mc:Choice Requires="p14">
+        <mc:AlternateContent xmlns:mc="http://schemas.openxmlformats.org/markup-compatibility/2006">
+          <mc:Choice xmlns:p14="http://schemas.microsoft.com/office/powerpoint/2010/main" Requires="p14">
             <p:contentPart p14:bwMode="auto" r:id="rId15">
               <p14:nvContentPartPr>
                 <p14:cNvPr id="13" name="Ink 12">
@@ -12626,7 +12626,7 @@
               </p14:xfrm>
             </p:contentPart>
           </mc:Choice>
-          <mc:Fallback xmlns="">
+          <mc:Fallback>
             <p:pic>
               <p:nvPicPr>
                 <p:cNvPr id="13" name="Ink 12">
@@ -12678,8 +12678,8 @@
             <a:chExt cx="933120" cy="1533240"/>
           </a:xfrm>
         </p:grpSpPr>
-        <mc:AlternateContent xmlns:mc="http://schemas.openxmlformats.org/markup-compatibility/2006" xmlns:p14="http://schemas.microsoft.com/office/powerpoint/2010/main">
-          <mc:Choice Requires="p14">
+        <mc:AlternateContent xmlns:mc="http://schemas.openxmlformats.org/markup-compatibility/2006">
+          <mc:Choice xmlns:p14="http://schemas.microsoft.com/office/powerpoint/2010/main" Requires="p14">
             <p:contentPart p14:bwMode="auto" r:id="rId17">
               <p14:nvContentPartPr>
                 <p14:cNvPr id="15" name="Ink 14">
@@ -12698,7 +12698,7 @@
               </p14:xfrm>
             </p:contentPart>
           </mc:Choice>
-          <mc:Fallback xmlns="">
+          <mc:Fallback>
             <p:pic>
               <p:nvPicPr>
                 <p:cNvPr id="15" name="Ink 14">
@@ -12729,8 +12729,8 @@
             </p:pic>
           </mc:Fallback>
         </mc:AlternateContent>
-        <mc:AlternateContent xmlns:mc="http://schemas.openxmlformats.org/markup-compatibility/2006" xmlns:p14="http://schemas.microsoft.com/office/powerpoint/2010/main">
-          <mc:Choice Requires="p14">
+        <mc:AlternateContent xmlns:mc="http://schemas.openxmlformats.org/markup-compatibility/2006">
+          <mc:Choice xmlns:p14="http://schemas.microsoft.com/office/powerpoint/2010/main" Requires="p14">
             <p:contentPart p14:bwMode="auto" r:id="rId19">
               <p14:nvContentPartPr>
                 <p14:cNvPr id="16" name="Ink 15">
@@ -12749,7 +12749,7 @@
               </p14:xfrm>
             </p:contentPart>
           </mc:Choice>
-          <mc:Fallback xmlns="">
+          <mc:Fallback>
             <p:pic>
               <p:nvPicPr>
                 <p:cNvPr id="16" name="Ink 15">
@@ -12780,8 +12780,8 @@
             </p:pic>
           </mc:Fallback>
         </mc:AlternateContent>
-        <mc:AlternateContent xmlns:mc="http://schemas.openxmlformats.org/markup-compatibility/2006" xmlns:p14="http://schemas.microsoft.com/office/powerpoint/2010/main">
-          <mc:Choice Requires="p14">
+        <mc:AlternateContent xmlns:mc="http://schemas.openxmlformats.org/markup-compatibility/2006">
+          <mc:Choice xmlns:p14="http://schemas.microsoft.com/office/powerpoint/2010/main" Requires="p14">
             <p:contentPart p14:bwMode="auto" r:id="rId21">
               <p14:nvContentPartPr>
                 <p14:cNvPr id="17" name="Ink 16">
@@ -12800,7 +12800,7 @@
               </p14:xfrm>
             </p:contentPart>
           </mc:Choice>
-          <mc:Fallback xmlns="">
+          <mc:Fallback>
             <p:pic>
               <p:nvPicPr>
                 <p:cNvPr id="17" name="Ink 16">
@@ -12831,8 +12831,8 @@
             </p:pic>
           </mc:Fallback>
         </mc:AlternateContent>
-        <mc:AlternateContent xmlns:mc="http://schemas.openxmlformats.org/markup-compatibility/2006" xmlns:p14="http://schemas.microsoft.com/office/powerpoint/2010/main">
-          <mc:Choice Requires="p14">
+        <mc:AlternateContent xmlns:mc="http://schemas.openxmlformats.org/markup-compatibility/2006">
+          <mc:Choice xmlns:p14="http://schemas.microsoft.com/office/powerpoint/2010/main" Requires="p14">
             <p:contentPart p14:bwMode="auto" r:id="rId23">
               <p14:nvContentPartPr>
                 <p14:cNvPr id="18" name="Ink 17">
@@ -12851,7 +12851,7 @@
               </p14:xfrm>
             </p:contentPart>
           </mc:Choice>
-          <mc:Fallback xmlns="">
+          <mc:Fallback>
             <p:pic>
               <p:nvPicPr>
                 <p:cNvPr id="18" name="Ink 17">
@@ -12882,8 +12882,8 @@
             </p:pic>
           </mc:Fallback>
         </mc:AlternateContent>
-        <mc:AlternateContent xmlns:mc="http://schemas.openxmlformats.org/markup-compatibility/2006" xmlns:p14="http://schemas.microsoft.com/office/powerpoint/2010/main">
-          <mc:Choice Requires="p14">
+        <mc:AlternateContent xmlns:mc="http://schemas.openxmlformats.org/markup-compatibility/2006">
+          <mc:Choice xmlns:p14="http://schemas.microsoft.com/office/powerpoint/2010/main" Requires="p14">
             <p:contentPart p14:bwMode="auto" r:id="rId25">
               <p14:nvContentPartPr>
                 <p14:cNvPr id="19" name="Ink 18">
@@ -12902,7 +12902,7 @@
               </p14:xfrm>
             </p:contentPart>
           </mc:Choice>
-          <mc:Fallback xmlns="">
+          <mc:Fallback>
             <p:pic>
               <p:nvPicPr>
                 <p:cNvPr id="19" name="Ink 18">
@@ -12954,8 +12954,8 @@
             <a:chExt cx="920160" cy="1401480"/>
           </a:xfrm>
         </p:grpSpPr>
-        <mc:AlternateContent xmlns:mc="http://schemas.openxmlformats.org/markup-compatibility/2006" xmlns:p14="http://schemas.microsoft.com/office/powerpoint/2010/main">
-          <mc:Choice Requires="p14">
+        <mc:AlternateContent xmlns:mc="http://schemas.openxmlformats.org/markup-compatibility/2006">
+          <mc:Choice xmlns:p14="http://schemas.microsoft.com/office/powerpoint/2010/main" Requires="p14">
             <p:contentPart p14:bwMode="auto" r:id="rId27">
               <p14:nvContentPartPr>
                 <p14:cNvPr id="21" name="Ink 20">
@@ -12974,7 +12974,7 @@
               </p14:xfrm>
             </p:contentPart>
           </mc:Choice>
-          <mc:Fallback xmlns="">
+          <mc:Fallback>
             <p:pic>
               <p:nvPicPr>
                 <p:cNvPr id="21" name="Ink 20">
@@ -13005,8 +13005,8 @@
             </p:pic>
           </mc:Fallback>
         </mc:AlternateContent>
-        <mc:AlternateContent xmlns:mc="http://schemas.openxmlformats.org/markup-compatibility/2006" xmlns:p14="http://schemas.microsoft.com/office/powerpoint/2010/main">
-          <mc:Choice Requires="p14">
+        <mc:AlternateContent xmlns:mc="http://schemas.openxmlformats.org/markup-compatibility/2006">
+          <mc:Choice xmlns:p14="http://schemas.microsoft.com/office/powerpoint/2010/main" Requires="p14">
             <p:contentPart p14:bwMode="auto" r:id="rId29">
               <p14:nvContentPartPr>
                 <p14:cNvPr id="22" name="Ink 21">
@@ -13025,7 +13025,7 @@
               </p14:xfrm>
             </p:contentPart>
           </mc:Choice>
-          <mc:Fallback xmlns="">
+          <mc:Fallback>
             <p:pic>
               <p:nvPicPr>
                 <p:cNvPr id="22" name="Ink 21">
@@ -13056,8 +13056,8 @@
             </p:pic>
           </mc:Fallback>
         </mc:AlternateContent>
-        <mc:AlternateContent xmlns:mc="http://schemas.openxmlformats.org/markup-compatibility/2006" xmlns:p14="http://schemas.microsoft.com/office/powerpoint/2010/main">
-          <mc:Choice Requires="p14">
+        <mc:AlternateContent xmlns:mc="http://schemas.openxmlformats.org/markup-compatibility/2006">
+          <mc:Choice xmlns:p14="http://schemas.microsoft.com/office/powerpoint/2010/main" Requires="p14">
             <p:contentPart p14:bwMode="auto" r:id="rId31">
               <p14:nvContentPartPr>
                 <p14:cNvPr id="23" name="Ink 22">
@@ -13076,7 +13076,7 @@
               </p14:xfrm>
             </p:contentPart>
           </mc:Choice>
-          <mc:Fallback xmlns="">
+          <mc:Fallback>
             <p:pic>
               <p:nvPicPr>
                 <p:cNvPr id="23" name="Ink 22">
@@ -13107,8 +13107,8 @@
             </p:pic>
           </mc:Fallback>
         </mc:AlternateContent>
-        <mc:AlternateContent xmlns:mc="http://schemas.openxmlformats.org/markup-compatibility/2006" xmlns:p14="http://schemas.microsoft.com/office/powerpoint/2010/main">
-          <mc:Choice Requires="p14">
+        <mc:AlternateContent xmlns:mc="http://schemas.openxmlformats.org/markup-compatibility/2006">
+          <mc:Choice xmlns:p14="http://schemas.microsoft.com/office/powerpoint/2010/main" Requires="p14">
             <p:contentPart p14:bwMode="auto" r:id="rId33">
               <p14:nvContentPartPr>
                 <p14:cNvPr id="24" name="Ink 23">
@@ -13127,7 +13127,7 @@
               </p14:xfrm>
             </p:contentPart>
           </mc:Choice>
-          <mc:Fallback xmlns="">
+          <mc:Fallback>
             <p:pic>
               <p:nvPicPr>
                 <p:cNvPr id="24" name="Ink 23">
@@ -13179,8 +13179,8 @@
             <a:chExt cx="779400" cy="1545120"/>
           </a:xfrm>
         </p:grpSpPr>
-        <mc:AlternateContent xmlns:mc="http://schemas.openxmlformats.org/markup-compatibility/2006" xmlns:p14="http://schemas.microsoft.com/office/powerpoint/2010/main">
-          <mc:Choice Requires="p14">
+        <mc:AlternateContent xmlns:mc="http://schemas.openxmlformats.org/markup-compatibility/2006">
+          <mc:Choice xmlns:p14="http://schemas.microsoft.com/office/powerpoint/2010/main" Requires="p14">
             <p:contentPart p14:bwMode="auto" r:id="rId35">
               <p14:nvContentPartPr>
                 <p14:cNvPr id="26" name="Ink 25">
@@ -13199,7 +13199,7 @@
               </p14:xfrm>
             </p:contentPart>
           </mc:Choice>
-          <mc:Fallback xmlns="">
+          <mc:Fallback>
             <p:pic>
               <p:nvPicPr>
                 <p:cNvPr id="26" name="Ink 25">
@@ -13230,8 +13230,8 @@
             </p:pic>
           </mc:Fallback>
         </mc:AlternateContent>
-        <mc:AlternateContent xmlns:mc="http://schemas.openxmlformats.org/markup-compatibility/2006" xmlns:p14="http://schemas.microsoft.com/office/powerpoint/2010/main">
-          <mc:Choice Requires="p14">
+        <mc:AlternateContent xmlns:mc="http://schemas.openxmlformats.org/markup-compatibility/2006">
+          <mc:Choice xmlns:p14="http://schemas.microsoft.com/office/powerpoint/2010/main" Requires="p14">
             <p:contentPart p14:bwMode="auto" r:id="rId37">
               <p14:nvContentPartPr>
                 <p14:cNvPr id="27" name="Ink 26">
@@ -13250,7 +13250,7 @@
               </p14:xfrm>
             </p:contentPart>
           </mc:Choice>
-          <mc:Fallback xmlns="">
+          <mc:Fallback>
             <p:pic>
               <p:nvPicPr>
                 <p:cNvPr id="27" name="Ink 26">
@@ -13281,8 +13281,8 @@
             </p:pic>
           </mc:Fallback>
         </mc:AlternateContent>
-        <mc:AlternateContent xmlns:mc="http://schemas.openxmlformats.org/markup-compatibility/2006" xmlns:p14="http://schemas.microsoft.com/office/powerpoint/2010/main">
-          <mc:Choice Requires="p14">
+        <mc:AlternateContent xmlns:mc="http://schemas.openxmlformats.org/markup-compatibility/2006">
+          <mc:Choice xmlns:p14="http://schemas.microsoft.com/office/powerpoint/2010/main" Requires="p14">
             <p:contentPart p14:bwMode="auto" r:id="rId39">
               <p14:nvContentPartPr>
                 <p14:cNvPr id="28" name="Ink 27">
@@ -13301,7 +13301,7 @@
               </p14:xfrm>
             </p:contentPart>
           </mc:Choice>
-          <mc:Fallback xmlns="">
+          <mc:Fallback>
             <p:pic>
               <p:nvPicPr>
                 <p:cNvPr id="28" name="Ink 27">
@@ -13332,8 +13332,8 @@
             </p:pic>
           </mc:Fallback>
         </mc:AlternateContent>
-        <mc:AlternateContent xmlns:mc="http://schemas.openxmlformats.org/markup-compatibility/2006" xmlns:p14="http://schemas.microsoft.com/office/powerpoint/2010/main">
-          <mc:Choice Requires="p14">
+        <mc:AlternateContent xmlns:mc="http://schemas.openxmlformats.org/markup-compatibility/2006">
+          <mc:Choice xmlns:p14="http://schemas.microsoft.com/office/powerpoint/2010/main" Requires="p14">
             <p:contentPart p14:bwMode="auto" r:id="rId41">
               <p14:nvContentPartPr>
                 <p14:cNvPr id="29" name="Ink 28">
@@ -13352,7 +13352,7 @@
               </p14:xfrm>
             </p:contentPart>
           </mc:Choice>
-          <mc:Fallback xmlns="">
+          <mc:Fallback>
             <p:pic>
               <p:nvPicPr>
                 <p:cNvPr id="29" name="Ink 28">
@@ -13383,8 +13383,8 @@
             </p:pic>
           </mc:Fallback>
         </mc:AlternateContent>
-        <mc:AlternateContent xmlns:mc="http://schemas.openxmlformats.org/markup-compatibility/2006" xmlns:p14="http://schemas.microsoft.com/office/powerpoint/2010/main">
-          <mc:Choice Requires="p14">
+        <mc:AlternateContent xmlns:mc="http://schemas.openxmlformats.org/markup-compatibility/2006">
+          <mc:Choice xmlns:p14="http://schemas.microsoft.com/office/powerpoint/2010/main" Requires="p14">
             <p:contentPart p14:bwMode="auto" r:id="rId43">
               <p14:nvContentPartPr>
                 <p14:cNvPr id="30" name="Ink 29">
@@ -13403,7 +13403,7 @@
               </p14:xfrm>
             </p:contentPart>
           </mc:Choice>
-          <mc:Fallback xmlns="">
+          <mc:Fallback>
             <p:pic>
               <p:nvPicPr>
                 <p:cNvPr id="30" name="Ink 29">
@@ -13435,8 +13435,8 @@
           </mc:Fallback>
         </mc:AlternateContent>
       </p:grpSp>
-      <mc:AlternateContent xmlns:mc="http://schemas.openxmlformats.org/markup-compatibility/2006" xmlns:p14="http://schemas.microsoft.com/office/powerpoint/2010/main">
-        <mc:Choice Requires="p14">
+      <mc:AlternateContent xmlns:mc="http://schemas.openxmlformats.org/markup-compatibility/2006">
+        <mc:Choice xmlns:p14="http://schemas.microsoft.com/office/powerpoint/2010/main" Requires="p14">
           <p:contentPart p14:bwMode="auto" r:id="rId45">
             <p14:nvContentPartPr>
               <p14:cNvPr id="31" name="Ink 30">
@@ -13455,7 +13455,7 @@
             </p14:xfrm>
           </p:contentPart>
         </mc:Choice>
-        <mc:Fallback xmlns="">
+        <mc:Fallback>
           <p:pic>
             <p:nvPicPr>
               <p:cNvPr id="31" name="Ink 30">
@@ -13486,8 +13486,8 @@
           </p:pic>
         </mc:Fallback>
       </mc:AlternateContent>
-      <mc:AlternateContent xmlns:mc="http://schemas.openxmlformats.org/markup-compatibility/2006" xmlns:p14="http://schemas.microsoft.com/office/powerpoint/2010/main">
-        <mc:Choice Requires="p14">
+      <mc:AlternateContent xmlns:mc="http://schemas.openxmlformats.org/markup-compatibility/2006">
+        <mc:Choice xmlns:p14="http://schemas.microsoft.com/office/powerpoint/2010/main" Requires="p14">
           <p:contentPart p14:bwMode="auto" r:id="rId47">
             <p14:nvContentPartPr>
               <p14:cNvPr id="32" name="Ink 31">
@@ -13506,7 +13506,7 @@
             </p14:xfrm>
           </p:contentPart>
         </mc:Choice>
-        <mc:Fallback xmlns="">
+        <mc:Fallback>
           <p:pic>
             <p:nvPicPr>
               <p:cNvPr id="32" name="Ink 31">
@@ -13537,8 +13537,8 @@
           </p:pic>
         </mc:Fallback>
       </mc:AlternateContent>
-      <mc:AlternateContent xmlns:mc="http://schemas.openxmlformats.org/markup-compatibility/2006" xmlns:p14="http://schemas.microsoft.com/office/powerpoint/2010/main">
-        <mc:Choice Requires="p14">
+      <mc:AlternateContent xmlns:mc="http://schemas.openxmlformats.org/markup-compatibility/2006">
+        <mc:Choice xmlns:p14="http://schemas.microsoft.com/office/powerpoint/2010/main" Requires="p14">
           <p:contentPart p14:bwMode="auto" r:id="rId49">
             <p14:nvContentPartPr>
               <p14:cNvPr id="33" name="Ink 32">
@@ -13557,7 +13557,7 @@
             </p14:xfrm>
           </p:contentPart>
         </mc:Choice>
-        <mc:Fallback xmlns="">
+        <mc:Fallback>
           <p:pic>
             <p:nvPicPr>
               <p:cNvPr id="33" name="Ink 32">
@@ -13608,8 +13608,8 @@
             <a:chExt cx="453240" cy="542880"/>
           </a:xfrm>
         </p:grpSpPr>
-        <mc:AlternateContent xmlns:mc="http://schemas.openxmlformats.org/markup-compatibility/2006" xmlns:p14="http://schemas.microsoft.com/office/powerpoint/2010/main">
-          <mc:Choice Requires="p14">
+        <mc:AlternateContent xmlns:mc="http://schemas.openxmlformats.org/markup-compatibility/2006">
+          <mc:Choice xmlns:p14="http://schemas.microsoft.com/office/powerpoint/2010/main" Requires="p14">
             <p:contentPart p14:bwMode="auto" r:id="rId51">
               <p14:nvContentPartPr>
                 <p14:cNvPr id="35" name="Ink 34">
@@ -13628,7 +13628,7 @@
               </p14:xfrm>
             </p:contentPart>
           </mc:Choice>
-          <mc:Fallback xmlns="">
+          <mc:Fallback>
             <p:pic>
               <p:nvPicPr>
                 <p:cNvPr id="35" name="Ink 34">
@@ -13659,8 +13659,8 @@
             </p:pic>
           </mc:Fallback>
         </mc:AlternateContent>
-        <mc:AlternateContent xmlns:mc="http://schemas.openxmlformats.org/markup-compatibility/2006" xmlns:p14="http://schemas.microsoft.com/office/powerpoint/2010/main">
-          <mc:Choice Requires="p14">
+        <mc:AlternateContent xmlns:mc="http://schemas.openxmlformats.org/markup-compatibility/2006">
+          <mc:Choice xmlns:p14="http://schemas.microsoft.com/office/powerpoint/2010/main" Requires="p14">
             <p:contentPart p14:bwMode="auto" r:id="rId53">
               <p14:nvContentPartPr>
                 <p14:cNvPr id="36" name="Ink 35">
@@ -13679,7 +13679,7 @@
               </p14:xfrm>
             </p:contentPart>
           </mc:Choice>
-          <mc:Fallback xmlns="">
+          <mc:Fallback>
             <p:pic>
               <p:nvPicPr>
                 <p:cNvPr id="36" name="Ink 35">
@@ -13731,8 +13731,8 @@
             <a:chExt cx="245160" cy="254880"/>
           </a:xfrm>
         </p:grpSpPr>
-        <mc:AlternateContent xmlns:mc="http://schemas.openxmlformats.org/markup-compatibility/2006" xmlns:p14="http://schemas.microsoft.com/office/powerpoint/2010/main">
-          <mc:Choice Requires="p14">
+        <mc:AlternateContent xmlns:mc="http://schemas.openxmlformats.org/markup-compatibility/2006">
+          <mc:Choice xmlns:p14="http://schemas.microsoft.com/office/powerpoint/2010/main" Requires="p14">
             <p:contentPart p14:bwMode="auto" r:id="rId55">
               <p14:nvContentPartPr>
                 <p14:cNvPr id="38" name="Ink 37">
@@ -13751,7 +13751,7 @@
               </p14:xfrm>
             </p:contentPart>
           </mc:Choice>
-          <mc:Fallback xmlns="">
+          <mc:Fallback>
             <p:pic>
               <p:nvPicPr>
                 <p:cNvPr id="38" name="Ink 37">
@@ -13782,8 +13782,8 @@
             </p:pic>
           </mc:Fallback>
         </mc:AlternateContent>
-        <mc:AlternateContent xmlns:mc="http://schemas.openxmlformats.org/markup-compatibility/2006" xmlns:p14="http://schemas.microsoft.com/office/powerpoint/2010/main">
-          <mc:Choice Requires="p14">
+        <mc:AlternateContent xmlns:mc="http://schemas.openxmlformats.org/markup-compatibility/2006">
+          <mc:Choice xmlns:p14="http://schemas.microsoft.com/office/powerpoint/2010/main" Requires="p14">
             <p:contentPart p14:bwMode="auto" r:id="rId57">
               <p14:nvContentPartPr>
                 <p14:cNvPr id="39" name="Ink 38">
@@ -13802,7 +13802,7 @@
               </p14:xfrm>
             </p:contentPart>
           </mc:Choice>
-          <mc:Fallback xmlns="">
+          <mc:Fallback>
             <p:pic>
               <p:nvPicPr>
                 <p:cNvPr id="39" name="Ink 38">
@@ -13834,8 +13834,8 @@
           </mc:Fallback>
         </mc:AlternateContent>
       </p:grpSp>
-      <mc:AlternateContent xmlns:mc="http://schemas.openxmlformats.org/markup-compatibility/2006" xmlns:p14="http://schemas.microsoft.com/office/powerpoint/2010/main">
-        <mc:Choice Requires="p14">
+      <mc:AlternateContent xmlns:mc="http://schemas.openxmlformats.org/markup-compatibility/2006">
+        <mc:Choice xmlns:p14="http://schemas.microsoft.com/office/powerpoint/2010/main" Requires="p14">
           <p:contentPart p14:bwMode="auto" r:id="rId59">
             <p14:nvContentPartPr>
               <p14:cNvPr id="40" name="Ink 39">
@@ -13854,7 +13854,7 @@
             </p14:xfrm>
           </p:contentPart>
         </mc:Choice>
-        <mc:Fallback xmlns="">
+        <mc:Fallback>
           <p:pic>
             <p:nvPicPr>
               <p:cNvPr id="40" name="Ink 39">
@@ -13905,8 +13905,8 @@
             <a:chExt cx="940320" cy="1503720"/>
           </a:xfrm>
         </p:grpSpPr>
-        <mc:AlternateContent xmlns:mc="http://schemas.openxmlformats.org/markup-compatibility/2006" xmlns:p14="http://schemas.microsoft.com/office/powerpoint/2010/main">
-          <mc:Choice Requires="p14">
+        <mc:AlternateContent xmlns:mc="http://schemas.openxmlformats.org/markup-compatibility/2006">
+          <mc:Choice xmlns:p14="http://schemas.microsoft.com/office/powerpoint/2010/main" Requires="p14">
             <p:contentPart p14:bwMode="auto" r:id="rId61">
               <p14:nvContentPartPr>
                 <p14:cNvPr id="42" name="Ink 41">
@@ -13925,7 +13925,7 @@
               </p14:xfrm>
             </p:contentPart>
           </mc:Choice>
-          <mc:Fallback xmlns="">
+          <mc:Fallback>
             <p:pic>
               <p:nvPicPr>
                 <p:cNvPr id="42" name="Ink 41">
@@ -13956,8 +13956,8 @@
             </p:pic>
           </mc:Fallback>
         </mc:AlternateContent>
-        <mc:AlternateContent xmlns:mc="http://schemas.openxmlformats.org/markup-compatibility/2006" xmlns:p14="http://schemas.microsoft.com/office/powerpoint/2010/main">
-          <mc:Choice Requires="p14">
+        <mc:AlternateContent xmlns:mc="http://schemas.openxmlformats.org/markup-compatibility/2006">
+          <mc:Choice xmlns:p14="http://schemas.microsoft.com/office/powerpoint/2010/main" Requires="p14">
             <p:contentPart p14:bwMode="auto" r:id="rId63">
               <p14:nvContentPartPr>
                 <p14:cNvPr id="43" name="Ink 42">
@@ -13976,7 +13976,7 @@
               </p14:xfrm>
             </p:contentPart>
           </mc:Choice>
-          <mc:Fallback xmlns="">
+          <mc:Fallback>
             <p:pic>
               <p:nvPicPr>
                 <p:cNvPr id="43" name="Ink 42">
@@ -14007,8 +14007,8 @@
             </p:pic>
           </mc:Fallback>
         </mc:AlternateContent>
-        <mc:AlternateContent xmlns:mc="http://schemas.openxmlformats.org/markup-compatibility/2006" xmlns:p14="http://schemas.microsoft.com/office/powerpoint/2010/main">
-          <mc:Choice Requires="p14">
+        <mc:AlternateContent xmlns:mc="http://schemas.openxmlformats.org/markup-compatibility/2006">
+          <mc:Choice xmlns:p14="http://schemas.microsoft.com/office/powerpoint/2010/main" Requires="p14">
             <p:contentPart p14:bwMode="auto" r:id="rId65">
               <p14:nvContentPartPr>
                 <p14:cNvPr id="44" name="Ink 43">
@@ -14027,7 +14027,7 @@
               </p14:xfrm>
             </p:contentPart>
           </mc:Choice>
-          <mc:Fallback xmlns="">
+          <mc:Fallback>
             <p:pic>
               <p:nvPicPr>
                 <p:cNvPr id="44" name="Ink 43">
@@ -14058,8 +14058,8 @@
             </p:pic>
           </mc:Fallback>
         </mc:AlternateContent>
-        <mc:AlternateContent xmlns:mc="http://schemas.openxmlformats.org/markup-compatibility/2006" xmlns:p14="http://schemas.microsoft.com/office/powerpoint/2010/main">
-          <mc:Choice Requires="p14">
+        <mc:AlternateContent xmlns:mc="http://schemas.openxmlformats.org/markup-compatibility/2006">
+          <mc:Choice xmlns:p14="http://schemas.microsoft.com/office/powerpoint/2010/main" Requires="p14">
             <p:contentPart p14:bwMode="auto" r:id="rId67">
               <p14:nvContentPartPr>
                 <p14:cNvPr id="45" name="Ink 44">
@@ -14078,7 +14078,7 @@
               </p14:xfrm>
             </p:contentPart>
           </mc:Choice>
-          <mc:Fallback xmlns="">
+          <mc:Fallback>
             <p:pic>
               <p:nvPicPr>
                 <p:cNvPr id="45" name="Ink 44">
@@ -14109,8 +14109,8 @@
             </p:pic>
           </mc:Fallback>
         </mc:AlternateContent>
-        <mc:AlternateContent xmlns:mc="http://schemas.openxmlformats.org/markup-compatibility/2006" xmlns:p14="http://schemas.microsoft.com/office/powerpoint/2010/main">
-          <mc:Choice Requires="p14">
+        <mc:AlternateContent xmlns:mc="http://schemas.openxmlformats.org/markup-compatibility/2006">
+          <mc:Choice xmlns:p14="http://schemas.microsoft.com/office/powerpoint/2010/main" Requires="p14">
             <p:contentPart p14:bwMode="auto" r:id="rId69">
               <p14:nvContentPartPr>
                 <p14:cNvPr id="46" name="Ink 45">
@@ -14129,7 +14129,7 @@
               </p14:xfrm>
             </p:contentPart>
           </mc:Choice>
-          <mc:Fallback xmlns="">
+          <mc:Fallback>
             <p:pic>
               <p:nvPicPr>
                 <p:cNvPr id="46" name="Ink 45">
@@ -14160,8 +14160,8 @@
             </p:pic>
           </mc:Fallback>
         </mc:AlternateContent>
-        <mc:AlternateContent xmlns:mc="http://schemas.openxmlformats.org/markup-compatibility/2006" xmlns:p14="http://schemas.microsoft.com/office/powerpoint/2010/main">
-          <mc:Choice Requires="p14">
+        <mc:AlternateContent xmlns:mc="http://schemas.openxmlformats.org/markup-compatibility/2006">
+          <mc:Choice xmlns:p14="http://schemas.microsoft.com/office/powerpoint/2010/main" Requires="p14">
             <p:contentPart p14:bwMode="auto" r:id="rId71">
               <p14:nvContentPartPr>
                 <p14:cNvPr id="47" name="Ink 46">
@@ -14180,7 +14180,7 @@
               </p14:xfrm>
             </p:contentPart>
           </mc:Choice>
-          <mc:Fallback xmlns="">
+          <mc:Fallback>
             <p:pic>
               <p:nvPicPr>
                 <p:cNvPr id="47" name="Ink 46">
@@ -14232,8 +14232,8 @@
             <a:chExt cx="629640" cy="645120"/>
           </a:xfrm>
         </p:grpSpPr>
-        <mc:AlternateContent xmlns:mc="http://schemas.openxmlformats.org/markup-compatibility/2006" xmlns:p14="http://schemas.microsoft.com/office/powerpoint/2010/main">
-          <mc:Choice Requires="p14">
+        <mc:AlternateContent xmlns:mc="http://schemas.openxmlformats.org/markup-compatibility/2006">
+          <mc:Choice xmlns:p14="http://schemas.microsoft.com/office/powerpoint/2010/main" Requires="p14">
             <p:contentPart p14:bwMode="auto" r:id="rId73">
               <p14:nvContentPartPr>
                 <p14:cNvPr id="49" name="Ink 48">
@@ -14252,7 +14252,7 @@
               </p14:xfrm>
             </p:contentPart>
           </mc:Choice>
-          <mc:Fallback xmlns="">
+          <mc:Fallback>
             <p:pic>
               <p:nvPicPr>
                 <p:cNvPr id="49" name="Ink 48">
@@ -14283,8 +14283,8 @@
             </p:pic>
           </mc:Fallback>
         </mc:AlternateContent>
-        <mc:AlternateContent xmlns:mc="http://schemas.openxmlformats.org/markup-compatibility/2006" xmlns:p14="http://schemas.microsoft.com/office/powerpoint/2010/main">
-          <mc:Choice Requires="p14">
+        <mc:AlternateContent xmlns:mc="http://schemas.openxmlformats.org/markup-compatibility/2006">
+          <mc:Choice xmlns:p14="http://schemas.microsoft.com/office/powerpoint/2010/main" Requires="p14">
             <p:contentPart p14:bwMode="auto" r:id="rId75">
               <p14:nvContentPartPr>
                 <p14:cNvPr id="50" name="Ink 49">
@@ -14303,7 +14303,7 @@
               </p14:xfrm>
             </p:contentPart>
           </mc:Choice>
-          <mc:Fallback xmlns="">
+          <mc:Fallback>
             <p:pic>
               <p:nvPicPr>
                 <p:cNvPr id="50" name="Ink 49">
@@ -14335,8 +14335,8 @@
           </mc:Fallback>
         </mc:AlternateContent>
       </p:grpSp>
-      <mc:AlternateContent xmlns:mc="http://schemas.openxmlformats.org/markup-compatibility/2006" xmlns:p14="http://schemas.microsoft.com/office/powerpoint/2010/main">
-        <mc:Choice Requires="p14">
+      <mc:AlternateContent xmlns:mc="http://schemas.openxmlformats.org/markup-compatibility/2006">
+        <mc:Choice xmlns:p14="http://schemas.microsoft.com/office/powerpoint/2010/main" Requires="p14">
           <p:contentPart p14:bwMode="auto" r:id="rId77">
             <p14:nvContentPartPr>
               <p14:cNvPr id="51" name="Ink 50">
@@ -14355,7 +14355,7 @@
             </p14:xfrm>
           </p:contentPart>
         </mc:Choice>
-        <mc:Fallback xmlns="">
+        <mc:Fallback>
           <p:pic>
             <p:nvPicPr>
               <p:cNvPr id="51" name="Ink 50">
@@ -14406,8 +14406,8 @@
             <a:chExt cx="1053720" cy="1522800"/>
           </a:xfrm>
         </p:grpSpPr>
-        <mc:AlternateContent xmlns:mc="http://schemas.openxmlformats.org/markup-compatibility/2006" xmlns:p14="http://schemas.microsoft.com/office/powerpoint/2010/main">
-          <mc:Choice Requires="p14">
+        <mc:AlternateContent xmlns:mc="http://schemas.openxmlformats.org/markup-compatibility/2006">
+          <mc:Choice xmlns:p14="http://schemas.microsoft.com/office/powerpoint/2010/main" Requires="p14">
             <p:contentPart p14:bwMode="auto" r:id="rId79">
               <p14:nvContentPartPr>
                 <p14:cNvPr id="53" name="Ink 52">
@@ -14426,7 +14426,7 @@
               </p14:xfrm>
             </p:contentPart>
           </mc:Choice>
-          <mc:Fallback xmlns="">
+          <mc:Fallback>
             <p:pic>
               <p:nvPicPr>
                 <p:cNvPr id="53" name="Ink 52">
@@ -14457,8 +14457,8 @@
             </p:pic>
           </mc:Fallback>
         </mc:AlternateContent>
-        <mc:AlternateContent xmlns:mc="http://schemas.openxmlformats.org/markup-compatibility/2006" xmlns:p14="http://schemas.microsoft.com/office/powerpoint/2010/main">
-          <mc:Choice Requires="p14">
+        <mc:AlternateContent xmlns:mc="http://schemas.openxmlformats.org/markup-compatibility/2006">
+          <mc:Choice xmlns:p14="http://schemas.microsoft.com/office/powerpoint/2010/main" Requires="p14">
             <p:contentPart p14:bwMode="auto" r:id="rId81">
               <p14:nvContentPartPr>
                 <p14:cNvPr id="54" name="Ink 53">
@@ -14477,7 +14477,7 @@
               </p14:xfrm>
             </p:contentPart>
           </mc:Choice>
-          <mc:Fallback xmlns="">
+          <mc:Fallback>
             <p:pic>
               <p:nvPicPr>
                 <p:cNvPr id="54" name="Ink 53">
@@ -14508,8 +14508,8 @@
             </p:pic>
           </mc:Fallback>
         </mc:AlternateContent>
-        <mc:AlternateContent xmlns:mc="http://schemas.openxmlformats.org/markup-compatibility/2006" xmlns:p14="http://schemas.microsoft.com/office/powerpoint/2010/main">
-          <mc:Choice Requires="p14">
+        <mc:AlternateContent xmlns:mc="http://schemas.openxmlformats.org/markup-compatibility/2006">
+          <mc:Choice xmlns:p14="http://schemas.microsoft.com/office/powerpoint/2010/main" Requires="p14">
             <p:contentPart p14:bwMode="auto" r:id="rId83">
               <p14:nvContentPartPr>
                 <p14:cNvPr id="55" name="Ink 54">
@@ -14528,7 +14528,7 @@
               </p14:xfrm>
             </p:contentPart>
           </mc:Choice>
-          <mc:Fallback xmlns="">
+          <mc:Fallback>
             <p:pic>
               <p:nvPicPr>
                 <p:cNvPr id="55" name="Ink 54">
@@ -14559,8 +14559,8 @@
             </p:pic>
           </mc:Fallback>
         </mc:AlternateContent>
-        <mc:AlternateContent xmlns:mc="http://schemas.openxmlformats.org/markup-compatibility/2006" xmlns:p14="http://schemas.microsoft.com/office/powerpoint/2010/main">
-          <mc:Choice Requires="p14">
+        <mc:AlternateContent xmlns:mc="http://schemas.openxmlformats.org/markup-compatibility/2006">
+          <mc:Choice xmlns:p14="http://schemas.microsoft.com/office/powerpoint/2010/main" Requires="p14">
             <p:contentPart p14:bwMode="auto" r:id="rId85">
               <p14:nvContentPartPr>
                 <p14:cNvPr id="56" name="Ink 55">
@@ -14579,7 +14579,7 @@
               </p14:xfrm>
             </p:contentPart>
           </mc:Choice>
-          <mc:Fallback xmlns="">
+          <mc:Fallback>
             <p:pic>
               <p:nvPicPr>
                 <p:cNvPr id="56" name="Ink 55">
@@ -14610,8 +14610,8 @@
             </p:pic>
           </mc:Fallback>
         </mc:AlternateContent>
-        <mc:AlternateContent xmlns:mc="http://schemas.openxmlformats.org/markup-compatibility/2006" xmlns:p14="http://schemas.microsoft.com/office/powerpoint/2010/main">
-          <mc:Choice Requires="p14">
+        <mc:AlternateContent xmlns:mc="http://schemas.openxmlformats.org/markup-compatibility/2006">
+          <mc:Choice xmlns:p14="http://schemas.microsoft.com/office/powerpoint/2010/main" Requires="p14">
             <p:contentPart p14:bwMode="auto" r:id="rId87">
               <p14:nvContentPartPr>
                 <p14:cNvPr id="57" name="Ink 56">
@@ -14630,7 +14630,7 @@
               </p14:xfrm>
             </p:contentPart>
           </mc:Choice>
-          <mc:Fallback xmlns="">
+          <mc:Fallback>
             <p:pic>
               <p:nvPicPr>
                 <p:cNvPr id="57" name="Ink 56">
@@ -14661,8 +14661,8 @@
             </p:pic>
           </mc:Fallback>
         </mc:AlternateContent>
-        <mc:AlternateContent xmlns:mc="http://schemas.openxmlformats.org/markup-compatibility/2006" xmlns:p14="http://schemas.microsoft.com/office/powerpoint/2010/main">
-          <mc:Choice Requires="p14">
+        <mc:AlternateContent xmlns:mc="http://schemas.openxmlformats.org/markup-compatibility/2006">
+          <mc:Choice xmlns:p14="http://schemas.microsoft.com/office/powerpoint/2010/main" Requires="p14">
             <p:contentPart p14:bwMode="auto" r:id="rId89">
               <p14:nvContentPartPr>
                 <p14:cNvPr id="58" name="Ink 57">
@@ -14681,7 +14681,7 @@
               </p14:xfrm>
             </p:contentPart>
           </mc:Choice>
-          <mc:Fallback xmlns="">
+          <mc:Fallback>
             <p:pic>
               <p:nvPicPr>
                 <p:cNvPr id="58" name="Ink 57">
@@ -14712,8 +14712,8 @@
             </p:pic>
           </mc:Fallback>
         </mc:AlternateContent>
-        <mc:AlternateContent xmlns:mc="http://schemas.openxmlformats.org/markup-compatibility/2006" xmlns:p14="http://schemas.microsoft.com/office/powerpoint/2010/main">
-          <mc:Choice Requires="p14">
+        <mc:AlternateContent xmlns:mc="http://schemas.openxmlformats.org/markup-compatibility/2006">
+          <mc:Choice xmlns:p14="http://schemas.microsoft.com/office/powerpoint/2010/main" Requires="p14">
             <p:contentPart p14:bwMode="auto" r:id="rId91">
               <p14:nvContentPartPr>
                 <p14:cNvPr id="59" name="Ink 58">
@@ -14732,7 +14732,7 @@
               </p14:xfrm>
             </p:contentPart>
           </mc:Choice>
-          <mc:Fallback xmlns="">
+          <mc:Fallback>
             <p:pic>
               <p:nvPicPr>
                 <p:cNvPr id="59" name="Ink 58">
@@ -14784,8 +14784,8 @@
             <a:chExt cx="927360" cy="1550880"/>
           </a:xfrm>
         </p:grpSpPr>
-        <mc:AlternateContent xmlns:mc="http://schemas.openxmlformats.org/markup-compatibility/2006" xmlns:p14="http://schemas.microsoft.com/office/powerpoint/2010/main">
-          <mc:Choice Requires="p14">
+        <mc:AlternateContent xmlns:mc="http://schemas.openxmlformats.org/markup-compatibility/2006">
+          <mc:Choice xmlns:p14="http://schemas.microsoft.com/office/powerpoint/2010/main" Requires="p14">
             <p:contentPart p14:bwMode="auto" r:id="rId93">
               <p14:nvContentPartPr>
                 <p14:cNvPr id="61" name="Ink 60">
@@ -14804,7 +14804,7 @@
               </p14:xfrm>
             </p:contentPart>
           </mc:Choice>
-          <mc:Fallback xmlns="">
+          <mc:Fallback>
             <p:pic>
               <p:nvPicPr>
                 <p:cNvPr id="61" name="Ink 60">
@@ -14835,8 +14835,8 @@
             </p:pic>
           </mc:Fallback>
         </mc:AlternateContent>
-        <mc:AlternateContent xmlns:mc="http://schemas.openxmlformats.org/markup-compatibility/2006" xmlns:p14="http://schemas.microsoft.com/office/powerpoint/2010/main">
-          <mc:Choice Requires="p14">
+        <mc:AlternateContent xmlns:mc="http://schemas.openxmlformats.org/markup-compatibility/2006">
+          <mc:Choice xmlns:p14="http://schemas.microsoft.com/office/powerpoint/2010/main" Requires="p14">
             <p:contentPart p14:bwMode="auto" r:id="rId95">
               <p14:nvContentPartPr>
                 <p14:cNvPr id="62" name="Ink 61">
@@ -14855,7 +14855,7 @@
               </p14:xfrm>
             </p:contentPart>
           </mc:Choice>
-          <mc:Fallback xmlns="">
+          <mc:Fallback>
             <p:pic>
               <p:nvPicPr>
                 <p:cNvPr id="62" name="Ink 61">
@@ -14886,8 +14886,8 @@
             </p:pic>
           </mc:Fallback>
         </mc:AlternateContent>
-        <mc:AlternateContent xmlns:mc="http://schemas.openxmlformats.org/markup-compatibility/2006" xmlns:p14="http://schemas.microsoft.com/office/powerpoint/2010/main">
-          <mc:Choice Requires="p14">
+        <mc:AlternateContent xmlns:mc="http://schemas.openxmlformats.org/markup-compatibility/2006">
+          <mc:Choice xmlns:p14="http://schemas.microsoft.com/office/powerpoint/2010/main" Requires="p14">
             <p:contentPart p14:bwMode="auto" r:id="rId97">
               <p14:nvContentPartPr>
                 <p14:cNvPr id="63" name="Ink 62">
@@ -14906,7 +14906,7 @@
               </p14:xfrm>
             </p:contentPart>
           </mc:Choice>
-          <mc:Fallback xmlns="">
+          <mc:Fallback>
             <p:pic>
               <p:nvPicPr>
                 <p:cNvPr id="63" name="Ink 62">
@@ -14937,8 +14937,8 @@
             </p:pic>
           </mc:Fallback>
         </mc:AlternateContent>
-        <mc:AlternateContent xmlns:mc="http://schemas.openxmlformats.org/markup-compatibility/2006" xmlns:p14="http://schemas.microsoft.com/office/powerpoint/2010/main">
-          <mc:Choice Requires="p14">
+        <mc:AlternateContent xmlns:mc="http://schemas.openxmlformats.org/markup-compatibility/2006">
+          <mc:Choice xmlns:p14="http://schemas.microsoft.com/office/powerpoint/2010/main" Requires="p14">
             <p:contentPart p14:bwMode="auto" r:id="rId99">
               <p14:nvContentPartPr>
                 <p14:cNvPr id="64" name="Ink 63">
@@ -14957,7 +14957,7 @@
               </p14:xfrm>
             </p:contentPart>
           </mc:Choice>
-          <mc:Fallback xmlns="">
+          <mc:Fallback>
             <p:pic>
               <p:nvPicPr>
                 <p:cNvPr id="64" name="Ink 63">
@@ -14988,8 +14988,8 @@
             </p:pic>
           </mc:Fallback>
         </mc:AlternateContent>
-        <mc:AlternateContent xmlns:mc="http://schemas.openxmlformats.org/markup-compatibility/2006" xmlns:p14="http://schemas.microsoft.com/office/powerpoint/2010/main">
-          <mc:Choice Requires="p14">
+        <mc:AlternateContent xmlns:mc="http://schemas.openxmlformats.org/markup-compatibility/2006">
+          <mc:Choice xmlns:p14="http://schemas.microsoft.com/office/powerpoint/2010/main" Requires="p14">
             <p:contentPart p14:bwMode="auto" r:id="rId101">
               <p14:nvContentPartPr>
                 <p14:cNvPr id="65" name="Ink 64">
@@ -15008,7 +15008,7 @@
               </p14:xfrm>
             </p:contentPart>
           </mc:Choice>
-          <mc:Fallback xmlns="">
+          <mc:Fallback>
             <p:pic>
               <p:nvPicPr>
                 <p:cNvPr id="65" name="Ink 64">
@@ -15039,8 +15039,8 @@
             </p:pic>
           </mc:Fallback>
         </mc:AlternateContent>
-        <mc:AlternateContent xmlns:mc="http://schemas.openxmlformats.org/markup-compatibility/2006" xmlns:p14="http://schemas.microsoft.com/office/powerpoint/2010/main">
-          <mc:Choice Requires="p14">
+        <mc:AlternateContent xmlns:mc="http://schemas.openxmlformats.org/markup-compatibility/2006">
+          <mc:Choice xmlns:p14="http://schemas.microsoft.com/office/powerpoint/2010/main" Requires="p14">
             <p:contentPart p14:bwMode="auto" r:id="rId103">
               <p14:nvContentPartPr>
                 <p14:cNvPr id="66" name="Ink 65">
@@ -15059,7 +15059,7 @@
               </p14:xfrm>
             </p:contentPart>
           </mc:Choice>
-          <mc:Fallback xmlns="">
+          <mc:Fallback>
             <p:pic>
               <p:nvPicPr>
                 <p:cNvPr id="66" name="Ink 65">
@@ -15111,8 +15111,8 @@
             <a:chExt cx="1100160" cy="1598760"/>
           </a:xfrm>
         </p:grpSpPr>
-        <mc:AlternateContent xmlns:mc="http://schemas.openxmlformats.org/markup-compatibility/2006" xmlns:p14="http://schemas.microsoft.com/office/powerpoint/2010/main">
-          <mc:Choice Requires="p14">
+        <mc:AlternateContent xmlns:mc="http://schemas.openxmlformats.org/markup-compatibility/2006">
+          <mc:Choice xmlns:p14="http://schemas.microsoft.com/office/powerpoint/2010/main" Requires="p14">
             <p:contentPart p14:bwMode="auto" r:id="rId105">
               <p14:nvContentPartPr>
                 <p14:cNvPr id="68" name="Ink 67">
@@ -15131,7 +15131,7 @@
               </p14:xfrm>
             </p:contentPart>
           </mc:Choice>
-          <mc:Fallback xmlns="">
+          <mc:Fallback>
             <p:pic>
               <p:nvPicPr>
                 <p:cNvPr id="68" name="Ink 67">
@@ -15162,8 +15162,8 @@
             </p:pic>
           </mc:Fallback>
         </mc:AlternateContent>
-        <mc:AlternateContent xmlns:mc="http://schemas.openxmlformats.org/markup-compatibility/2006" xmlns:p14="http://schemas.microsoft.com/office/powerpoint/2010/main">
-          <mc:Choice Requires="p14">
+        <mc:AlternateContent xmlns:mc="http://schemas.openxmlformats.org/markup-compatibility/2006">
+          <mc:Choice xmlns:p14="http://schemas.microsoft.com/office/powerpoint/2010/main" Requires="p14">
             <p:contentPart p14:bwMode="auto" r:id="rId107">
               <p14:nvContentPartPr>
                 <p14:cNvPr id="69" name="Ink 68">
@@ -15182,7 +15182,7 @@
               </p14:xfrm>
             </p:contentPart>
           </mc:Choice>
-          <mc:Fallback xmlns="">
+          <mc:Fallback>
             <p:pic>
               <p:nvPicPr>
                 <p:cNvPr id="69" name="Ink 68">
@@ -15213,8 +15213,8 @@
             </p:pic>
           </mc:Fallback>
         </mc:AlternateContent>
-        <mc:AlternateContent xmlns:mc="http://schemas.openxmlformats.org/markup-compatibility/2006" xmlns:p14="http://schemas.microsoft.com/office/powerpoint/2010/main">
-          <mc:Choice Requires="p14">
+        <mc:AlternateContent xmlns:mc="http://schemas.openxmlformats.org/markup-compatibility/2006">
+          <mc:Choice xmlns:p14="http://schemas.microsoft.com/office/powerpoint/2010/main" Requires="p14">
             <p:contentPart p14:bwMode="auto" r:id="rId109">
               <p14:nvContentPartPr>
                 <p14:cNvPr id="70" name="Ink 69">
@@ -15233,7 +15233,7 @@
               </p14:xfrm>
             </p:contentPart>
           </mc:Choice>
-          <mc:Fallback xmlns="">
+          <mc:Fallback>
             <p:pic>
               <p:nvPicPr>
                 <p:cNvPr id="70" name="Ink 69">
@@ -15264,8 +15264,8 @@
             </p:pic>
           </mc:Fallback>
         </mc:AlternateContent>
-        <mc:AlternateContent xmlns:mc="http://schemas.openxmlformats.org/markup-compatibility/2006" xmlns:p14="http://schemas.microsoft.com/office/powerpoint/2010/main">
-          <mc:Choice Requires="p14">
+        <mc:AlternateContent xmlns:mc="http://schemas.openxmlformats.org/markup-compatibility/2006">
+          <mc:Choice xmlns:p14="http://schemas.microsoft.com/office/powerpoint/2010/main" Requires="p14">
             <p:contentPart p14:bwMode="auto" r:id="rId111">
               <p14:nvContentPartPr>
                 <p14:cNvPr id="71" name="Ink 70">
@@ -15284,7 +15284,7 @@
               </p14:xfrm>
             </p:contentPart>
           </mc:Choice>
-          <mc:Fallback xmlns="">
+          <mc:Fallback>
             <p:pic>
               <p:nvPicPr>
                 <p:cNvPr id="71" name="Ink 70">
@@ -15315,8 +15315,8 @@
             </p:pic>
           </mc:Fallback>
         </mc:AlternateContent>
-        <mc:AlternateContent xmlns:mc="http://schemas.openxmlformats.org/markup-compatibility/2006" xmlns:p14="http://schemas.microsoft.com/office/powerpoint/2010/main">
-          <mc:Choice Requires="p14">
+        <mc:AlternateContent xmlns:mc="http://schemas.openxmlformats.org/markup-compatibility/2006">
+          <mc:Choice xmlns:p14="http://schemas.microsoft.com/office/powerpoint/2010/main" Requires="p14">
             <p:contentPart p14:bwMode="auto" r:id="rId113">
               <p14:nvContentPartPr>
                 <p14:cNvPr id="72" name="Ink 71">
@@ -15335,7 +15335,7 @@
               </p14:xfrm>
             </p:contentPart>
           </mc:Choice>
-          <mc:Fallback xmlns="">
+          <mc:Fallback>
             <p:pic>
               <p:nvPicPr>
                 <p:cNvPr id="72" name="Ink 71">
@@ -15366,8 +15366,8 @@
             </p:pic>
           </mc:Fallback>
         </mc:AlternateContent>
-        <mc:AlternateContent xmlns:mc="http://schemas.openxmlformats.org/markup-compatibility/2006" xmlns:p14="http://schemas.microsoft.com/office/powerpoint/2010/main">
-          <mc:Choice Requires="p14">
+        <mc:AlternateContent xmlns:mc="http://schemas.openxmlformats.org/markup-compatibility/2006">
+          <mc:Choice xmlns:p14="http://schemas.microsoft.com/office/powerpoint/2010/main" Requires="p14">
             <p:contentPart p14:bwMode="auto" r:id="rId115">
               <p14:nvContentPartPr>
                 <p14:cNvPr id="73" name="Ink 72">
@@ -15386,7 +15386,7 @@
               </p14:xfrm>
             </p:contentPart>
           </mc:Choice>
-          <mc:Fallback xmlns="">
+          <mc:Fallback>
             <p:pic>
               <p:nvPicPr>
                 <p:cNvPr id="73" name="Ink 72">
